--- a/文件資料/圖表/系統架構圖.pptx
+++ b/文件資料/圖表/系統架構圖.pptx
@@ -198,7 +198,7 @@
           <a:p>
             <a:fld id="{4B61E2BB-A9C8-4525-AD2F-4334D79E4386}" type="datetimeFigureOut">
               <a:rPr lang="zh-TW" altLang="en-US" smtClean="0"/>
-              <a:t>2024/5/14</a:t>
+              <a:t>2024/5/16</a:t>
             </a:fld>
             <a:endParaRPr lang="zh-TW" altLang="en-US"/>
           </a:p>
@@ -696,7 +696,7 @@
           <a:p>
             <a:fld id="{C39BAFC9-A2F2-4352-8A5B-EAF55E7BD197}" type="datetimeFigureOut">
               <a:rPr lang="zh-TW" altLang="en-US" smtClean="0"/>
-              <a:t>2024/5/14</a:t>
+              <a:t>2024/5/16</a:t>
             </a:fld>
             <a:endParaRPr lang="zh-TW" altLang="en-US"/>
           </a:p>
@@ -894,7 +894,7 @@
           <a:p>
             <a:fld id="{C39BAFC9-A2F2-4352-8A5B-EAF55E7BD197}" type="datetimeFigureOut">
               <a:rPr lang="zh-TW" altLang="en-US" smtClean="0"/>
-              <a:t>2024/5/14</a:t>
+              <a:t>2024/5/16</a:t>
             </a:fld>
             <a:endParaRPr lang="zh-TW" altLang="en-US"/>
           </a:p>
@@ -1102,7 +1102,7 @@
           <a:p>
             <a:fld id="{C39BAFC9-A2F2-4352-8A5B-EAF55E7BD197}" type="datetimeFigureOut">
               <a:rPr lang="zh-TW" altLang="en-US" smtClean="0"/>
-              <a:t>2024/5/14</a:t>
+              <a:t>2024/5/16</a:t>
             </a:fld>
             <a:endParaRPr lang="zh-TW" altLang="en-US"/>
           </a:p>
@@ -1300,7 +1300,7 @@
           <a:p>
             <a:fld id="{C39BAFC9-A2F2-4352-8A5B-EAF55E7BD197}" type="datetimeFigureOut">
               <a:rPr lang="zh-TW" altLang="en-US" smtClean="0"/>
-              <a:t>2024/5/14</a:t>
+              <a:t>2024/5/16</a:t>
             </a:fld>
             <a:endParaRPr lang="zh-TW" altLang="en-US"/>
           </a:p>
@@ -1575,7 +1575,7 @@
           <a:p>
             <a:fld id="{C39BAFC9-A2F2-4352-8A5B-EAF55E7BD197}" type="datetimeFigureOut">
               <a:rPr lang="zh-TW" altLang="en-US" smtClean="0"/>
-              <a:t>2024/5/14</a:t>
+              <a:t>2024/5/16</a:t>
             </a:fld>
             <a:endParaRPr lang="zh-TW" altLang="en-US"/>
           </a:p>
@@ -1840,7 +1840,7 @@
           <a:p>
             <a:fld id="{C39BAFC9-A2F2-4352-8A5B-EAF55E7BD197}" type="datetimeFigureOut">
               <a:rPr lang="zh-TW" altLang="en-US" smtClean="0"/>
-              <a:t>2024/5/14</a:t>
+              <a:t>2024/5/16</a:t>
             </a:fld>
             <a:endParaRPr lang="zh-TW" altLang="en-US"/>
           </a:p>
@@ -2252,7 +2252,7 @@
           <a:p>
             <a:fld id="{C39BAFC9-A2F2-4352-8A5B-EAF55E7BD197}" type="datetimeFigureOut">
               <a:rPr lang="zh-TW" altLang="en-US" smtClean="0"/>
-              <a:t>2024/5/14</a:t>
+              <a:t>2024/5/16</a:t>
             </a:fld>
             <a:endParaRPr lang="zh-TW" altLang="en-US"/>
           </a:p>
@@ -2393,7 +2393,7 @@
           <a:p>
             <a:fld id="{C39BAFC9-A2F2-4352-8A5B-EAF55E7BD197}" type="datetimeFigureOut">
               <a:rPr lang="zh-TW" altLang="en-US" smtClean="0"/>
-              <a:t>2024/5/14</a:t>
+              <a:t>2024/5/16</a:t>
             </a:fld>
             <a:endParaRPr lang="zh-TW" altLang="en-US"/>
           </a:p>
@@ -2506,7 +2506,7 @@
           <a:p>
             <a:fld id="{C39BAFC9-A2F2-4352-8A5B-EAF55E7BD197}" type="datetimeFigureOut">
               <a:rPr lang="zh-TW" altLang="en-US" smtClean="0"/>
-              <a:t>2024/5/14</a:t>
+              <a:t>2024/5/16</a:t>
             </a:fld>
             <a:endParaRPr lang="zh-TW" altLang="en-US"/>
           </a:p>
@@ -2817,7 +2817,7 @@
           <a:p>
             <a:fld id="{C39BAFC9-A2F2-4352-8A5B-EAF55E7BD197}" type="datetimeFigureOut">
               <a:rPr lang="zh-TW" altLang="en-US" smtClean="0"/>
-              <a:t>2024/5/14</a:t>
+              <a:t>2024/5/16</a:t>
             </a:fld>
             <a:endParaRPr lang="zh-TW" altLang="en-US"/>
           </a:p>
@@ -3105,7 +3105,7 @@
           <a:p>
             <a:fld id="{C39BAFC9-A2F2-4352-8A5B-EAF55E7BD197}" type="datetimeFigureOut">
               <a:rPr lang="zh-TW" altLang="en-US" smtClean="0"/>
-              <a:t>2024/5/14</a:t>
+              <a:t>2024/5/16</a:t>
             </a:fld>
             <a:endParaRPr lang="zh-TW" altLang="en-US"/>
           </a:p>
@@ -3346,7 +3346,7 @@
           <a:p>
             <a:fld id="{C39BAFC9-A2F2-4352-8A5B-EAF55E7BD197}" type="datetimeFigureOut">
               <a:rPr lang="zh-TW" altLang="en-US" smtClean="0"/>
-              <a:t>2024/5/14</a:t>
+              <a:t>2024/5/16</a:t>
             </a:fld>
             <a:endParaRPr lang="zh-TW" altLang="en-US"/>
           </a:p>
@@ -3777,7 +3777,7 @@
         </p:nvGrpSpPr>
         <p:grpSpPr>
           <a:xfrm>
-            <a:off x="1411794" y="972910"/>
+            <a:off x="1411794" y="1133180"/>
             <a:ext cx="5846843" cy="2065699"/>
             <a:chOff x="3136901" y="2358700"/>
             <a:chExt cx="5846843" cy="2065699"/>
@@ -4026,10 +4026,10 @@
           </p:nvGrpSpPr>
           <p:grpSpPr>
             <a:xfrm>
-              <a:off x="7633141" y="3057093"/>
-              <a:ext cx="720000" cy="901503"/>
-              <a:chOff x="2037081" y="4523434"/>
-              <a:chExt cx="720000" cy="901503"/>
+              <a:off x="7633141" y="3161868"/>
+              <a:ext cx="720000" cy="796728"/>
+              <a:chOff x="2037081" y="4628209"/>
+              <a:chExt cx="720000" cy="796728"/>
             </a:xfrm>
           </p:grpSpPr>
           <p:sp>
@@ -4096,7 +4096,7 @@
             </p:blipFill>
             <p:spPr bwMode="auto">
               <a:xfrm>
-                <a:off x="2037081" y="4523434"/>
+                <a:off x="2037081" y="4628209"/>
                 <a:ext cx="720000" cy="388800"/>
               </a:xfrm>
               <a:prstGeom prst="rect">
@@ -4451,7 +4451,7 @@
         </p:nvGrpSpPr>
         <p:grpSpPr>
           <a:xfrm>
-            <a:off x="3291607" y="3430333"/>
+            <a:off x="3118213" y="3430333"/>
             <a:ext cx="3302647" cy="2065699"/>
             <a:chOff x="4824112" y="4665244"/>
             <a:chExt cx="3302647" cy="2065699"/>
@@ -4992,7 +4992,7 @@
         </p:nvGrpSpPr>
         <p:grpSpPr>
           <a:xfrm>
-            <a:off x="7701448" y="972910"/>
+            <a:off x="7506750" y="1133180"/>
             <a:ext cx="1557579" cy="2065699"/>
             <a:chOff x="9266898" y="2358700"/>
             <a:chExt cx="1557579" cy="2065699"/>
@@ -5214,135 +5214,12 @@
           </p:txBody>
         </p:sp>
       </p:grpSp>
-      <p:sp>
-        <p:nvSpPr>
-          <p:cNvPr id="1084" name="矩形: 圓角 1083">
-            <a:extLst>
-              <a:ext uri="{FF2B5EF4-FFF2-40B4-BE49-F238E27FC236}">
-                <a16:creationId xmlns:a16="http://schemas.microsoft.com/office/drawing/2014/main" id="{53FC391F-B8BA-7E17-472D-7B190ACAA73B}"/>
-              </a:ext>
-            </a:extLst>
-          </p:cNvPr>
-          <p:cNvSpPr>
-            <a:spLocks/>
-          </p:cNvSpPr>
-          <p:nvPr/>
-        </p:nvSpPr>
-        <p:spPr>
-          <a:xfrm>
-            <a:off x="6814275" y="3434160"/>
-            <a:ext cx="4756220" cy="2065699"/>
-          </a:xfrm>
-          <a:prstGeom prst="roundRect">
-            <a:avLst>
-              <a:gd name="adj" fmla="val 7302"/>
-            </a:avLst>
-          </a:prstGeom>
-          <a:solidFill>
-            <a:schemeClr val="bg1">
-              <a:lumMod val="65000"/>
-              <a:alpha val="40000"/>
-            </a:schemeClr>
-          </a:solidFill>
-          <a:ln>
-            <a:noFill/>
-          </a:ln>
-        </p:spPr>
-        <p:style>
-          <a:lnRef idx="2">
-            <a:schemeClr val="accent1">
-              <a:shade val="15000"/>
-            </a:schemeClr>
-          </a:lnRef>
-          <a:fillRef idx="1">
-            <a:schemeClr val="accent1"/>
-          </a:fillRef>
-          <a:effectRef idx="0">
-            <a:schemeClr val="accent1"/>
-          </a:effectRef>
-          <a:fontRef idx="minor">
-            <a:schemeClr val="lt1"/>
-          </a:fontRef>
-        </p:style>
-        <p:txBody>
-          <a:bodyPr rtlCol="0" anchor="ctr"/>
-          <a:lstStyle/>
-          <a:p>
-            <a:pPr algn="ctr"/>
-            <a:endParaRPr lang="zh-TW" altLang="en-US" dirty="0"/>
-          </a:p>
-        </p:txBody>
-      </p:sp>
-      <p:sp>
-        <p:nvSpPr>
-          <p:cNvPr id="1085" name="文字方塊 1084">
-            <a:extLst>
-              <a:ext uri="{FF2B5EF4-FFF2-40B4-BE49-F238E27FC236}">
-                <a16:creationId xmlns:a16="http://schemas.microsoft.com/office/drawing/2014/main" id="{021D8E71-F9E8-B2E8-C479-846440AA2624}"/>
-              </a:ext>
-            </a:extLst>
-          </p:cNvPr>
-          <p:cNvSpPr txBox="1"/>
-          <p:nvPr/>
-        </p:nvSpPr>
-        <p:spPr>
-          <a:xfrm>
-            <a:off x="6799865" y="3561248"/>
-            <a:ext cx="4770630" cy="369332"/>
-          </a:xfrm>
-          <a:prstGeom prst="rect">
-            <a:avLst/>
-          </a:prstGeom>
-          <a:noFill/>
-          <a:ln>
-            <a:noFill/>
-          </a:ln>
-        </p:spPr>
-        <p:txBody>
-          <a:bodyPr wrap="square">
-            <a:spAutoFit/>
-          </a:bodyPr>
-          <a:lstStyle/>
-          <a:p>
-            <a:pPr algn="ctr"/>
-            <a:r>
-              <a:rPr lang="zh-TW" altLang="en-US" b="1" dirty="0">
-                <a:solidFill>
-                  <a:srgbClr val="0070C0"/>
-                </a:solidFill>
-                <a:latin typeface="微軟正黑體" panose="020B0604030504040204" pitchFamily="34" charset="-120"/>
-                <a:ea typeface="微軟正黑體" panose="020B0604030504040204" pitchFamily="34" charset="-120"/>
-              </a:rPr>
-              <a:t>資料爬蟲與</a:t>
-            </a:r>
-            <a:r>
-              <a:rPr lang="zh-TW" altLang="en-US" b="1" i="0" dirty="0">
-                <a:solidFill>
-                  <a:srgbClr val="0070C0"/>
-                </a:solidFill>
-                <a:effectLst/>
-                <a:latin typeface="微軟正黑體" panose="020B0604030504040204" pitchFamily="34" charset="-120"/>
-                <a:ea typeface="微軟正黑體" panose="020B0604030504040204" pitchFamily="34" charset="-120"/>
-              </a:rPr>
-              <a:t>處理</a:t>
-            </a:r>
-            <a:endParaRPr lang="en-US" altLang="zh-TW" b="1" i="0" dirty="0">
-              <a:solidFill>
-                <a:srgbClr val="0070C0"/>
-              </a:solidFill>
-              <a:effectLst/>
-              <a:latin typeface="微軟正黑體" panose="020B0604030504040204" pitchFamily="34" charset="-120"/>
-              <a:ea typeface="微軟正黑體" panose="020B0604030504040204" pitchFamily="34" charset="-120"/>
-            </a:endParaRPr>
-          </a:p>
-        </p:txBody>
-      </p:sp>
       <p:grpSp>
         <p:nvGrpSpPr>
-          <p:cNvPr id="1096" name="群組 1095">
-            <a:extLst>
-              <a:ext uri="{FF2B5EF4-FFF2-40B4-BE49-F238E27FC236}">
-                <a16:creationId xmlns:a16="http://schemas.microsoft.com/office/drawing/2014/main" id="{4B4A5403-8B56-5DAE-9CA4-5EE975B610BF}"/>
+          <p:cNvPr id="31" name="群組 30">
+            <a:extLst>
+              <a:ext uri="{FF2B5EF4-FFF2-40B4-BE49-F238E27FC236}">
+                <a16:creationId xmlns:a16="http://schemas.microsoft.com/office/drawing/2014/main" id="{0C073B7D-DD23-BF0A-6239-885C24056AC8}"/>
               </a:ext>
             </a:extLst>
           </p:cNvPr>
@@ -5351,18 +5228,77 @@
         </p:nvGrpSpPr>
         <p:grpSpPr>
           <a:xfrm>
-            <a:off x="7150894" y="4152141"/>
-            <a:ext cx="877421" cy="1067103"/>
-            <a:chOff x="908224" y="3673672"/>
-            <a:chExt cx="877421" cy="1067103"/>
+            <a:off x="6680199" y="3412344"/>
+            <a:ext cx="4795046" cy="2065699"/>
+            <a:chOff x="6775449" y="3412344"/>
+            <a:chExt cx="4795046" cy="2065699"/>
           </a:xfrm>
         </p:grpSpPr>
         <p:sp>
           <p:nvSpPr>
-            <p:cNvPr id="1097" name="文字方塊 1096">
+            <p:cNvPr id="1084" name="矩形: 圓角 1083">
               <a:extLst>
                 <a:ext uri="{FF2B5EF4-FFF2-40B4-BE49-F238E27FC236}">
-                  <a16:creationId xmlns:a16="http://schemas.microsoft.com/office/drawing/2014/main" id="{BC350D0A-1925-55A2-D947-C67203344B7B}"/>
+                  <a16:creationId xmlns:a16="http://schemas.microsoft.com/office/drawing/2014/main" id="{53FC391F-B8BA-7E17-472D-7B190ACAA73B}"/>
+                </a:ext>
+              </a:extLst>
+            </p:cNvPr>
+            <p:cNvSpPr>
+              <a:spLocks/>
+            </p:cNvSpPr>
+            <p:nvPr/>
+          </p:nvSpPr>
+          <p:spPr>
+            <a:xfrm>
+              <a:off x="6775449" y="3412344"/>
+              <a:ext cx="4756220" cy="2065699"/>
+            </a:xfrm>
+            <a:prstGeom prst="roundRect">
+              <a:avLst>
+                <a:gd name="adj" fmla="val 7302"/>
+              </a:avLst>
+            </a:prstGeom>
+            <a:solidFill>
+              <a:schemeClr val="bg1">
+                <a:lumMod val="65000"/>
+                <a:alpha val="40000"/>
+              </a:schemeClr>
+            </a:solidFill>
+            <a:ln>
+              <a:noFill/>
+            </a:ln>
+          </p:spPr>
+          <p:style>
+            <a:lnRef idx="2">
+              <a:schemeClr val="accent1">
+                <a:shade val="15000"/>
+              </a:schemeClr>
+            </a:lnRef>
+            <a:fillRef idx="1">
+              <a:schemeClr val="accent1"/>
+            </a:fillRef>
+            <a:effectRef idx="0">
+              <a:schemeClr val="accent1"/>
+            </a:effectRef>
+            <a:fontRef idx="minor">
+              <a:schemeClr val="lt1"/>
+            </a:fontRef>
+          </p:style>
+          <p:txBody>
+            <a:bodyPr rtlCol="0" anchor="ctr"/>
+            <a:lstStyle/>
+            <a:p>
+              <a:pPr algn="ctr"/>
+              <a:endParaRPr lang="zh-TW" altLang="en-US" dirty="0"/>
+            </a:p>
+          </p:txBody>
+        </p:sp>
+        <p:sp>
+          <p:nvSpPr>
+            <p:cNvPr id="1085" name="文字方塊 1084">
+              <a:extLst>
+                <a:ext uri="{FF2B5EF4-FFF2-40B4-BE49-F238E27FC236}">
+                  <a16:creationId xmlns:a16="http://schemas.microsoft.com/office/drawing/2014/main" id="{021D8E71-F9E8-B2E8-C479-846440AA2624}"/>
                 </a:ext>
               </a:extLst>
             </p:cNvPr>
@@ -5371,399 +5307,484 @@
           </p:nvSpPr>
           <p:spPr>
             <a:xfrm>
-              <a:off x="908224" y="4371443"/>
-              <a:ext cx="877421" cy="369332"/>
+              <a:off x="6799865" y="3561248"/>
+              <a:ext cx="4770630" cy="369332"/>
             </a:xfrm>
             <a:prstGeom prst="rect">
               <a:avLst/>
             </a:prstGeom>
             <a:noFill/>
+            <a:ln>
+              <a:noFill/>
+            </a:ln>
           </p:spPr>
           <p:txBody>
-            <a:bodyPr wrap="none">
+            <a:bodyPr wrap="square">
               <a:spAutoFit/>
             </a:bodyPr>
             <a:lstStyle/>
             <a:p>
               <a:pPr algn="ctr"/>
               <a:r>
-                <a:rPr lang="en-US" altLang="zh-TW" dirty="0"/>
-                <a:t>Python</a:t>
+                <a:rPr lang="zh-TW" altLang="en-US" b="1" dirty="0">
+                  <a:solidFill>
+                    <a:srgbClr val="0070C0"/>
+                  </a:solidFill>
+                  <a:latin typeface="微軟正黑體" panose="020B0604030504040204" pitchFamily="34" charset="-120"/>
+                  <a:ea typeface="微軟正黑體" panose="020B0604030504040204" pitchFamily="34" charset="-120"/>
+                </a:rPr>
+                <a:t>資料爬蟲與</a:t>
               </a:r>
+              <a:r>
+                <a:rPr lang="zh-TW" altLang="en-US" b="1" i="0" dirty="0">
+                  <a:solidFill>
+                    <a:srgbClr val="0070C0"/>
+                  </a:solidFill>
+                  <a:effectLst/>
+                  <a:latin typeface="微軟正黑體" panose="020B0604030504040204" pitchFamily="34" charset="-120"/>
+                  <a:ea typeface="微軟正黑體" panose="020B0604030504040204" pitchFamily="34" charset="-120"/>
+                </a:rPr>
+                <a:t>處理</a:t>
+              </a:r>
+              <a:endParaRPr lang="en-US" altLang="zh-TW" b="1" i="0" dirty="0">
+                <a:solidFill>
+                  <a:srgbClr val="0070C0"/>
+                </a:solidFill>
+                <a:effectLst/>
+                <a:latin typeface="微軟正黑體" panose="020B0604030504040204" pitchFamily="34" charset="-120"/>
+                <a:ea typeface="微軟正黑體" panose="020B0604030504040204" pitchFamily="34" charset="-120"/>
+              </a:endParaRPr>
+            </a:p>
+          </p:txBody>
+        </p:sp>
+        <p:grpSp>
+          <p:nvGrpSpPr>
+            <p:cNvPr id="1096" name="群組 1095">
+              <a:extLst>
+                <a:ext uri="{FF2B5EF4-FFF2-40B4-BE49-F238E27FC236}">
+                  <a16:creationId xmlns:a16="http://schemas.microsoft.com/office/drawing/2014/main" id="{4B4A5403-8B56-5DAE-9CA4-5EE975B610BF}"/>
+                </a:ext>
+              </a:extLst>
+            </p:cNvPr>
+            <p:cNvGrpSpPr/>
+            <p:nvPr/>
+          </p:nvGrpSpPr>
+          <p:grpSpPr>
+            <a:xfrm>
+              <a:off x="7150894" y="4152141"/>
+              <a:ext cx="877421" cy="1067103"/>
+              <a:chOff x="908224" y="3673672"/>
+              <a:chExt cx="877421" cy="1067103"/>
+            </a:xfrm>
+          </p:grpSpPr>
+          <p:sp>
+            <p:nvSpPr>
+              <p:cNvPr id="1097" name="文字方塊 1096">
+                <a:extLst>
+                  <a:ext uri="{FF2B5EF4-FFF2-40B4-BE49-F238E27FC236}">
+                    <a16:creationId xmlns:a16="http://schemas.microsoft.com/office/drawing/2014/main" id="{BC350D0A-1925-55A2-D947-C67203344B7B}"/>
+                  </a:ext>
+                </a:extLst>
+              </p:cNvPr>
+              <p:cNvSpPr txBox="1"/>
+              <p:nvPr/>
+            </p:nvSpPr>
+            <p:spPr>
+              <a:xfrm>
+                <a:off x="908224" y="4371443"/>
+                <a:ext cx="877421" cy="369332"/>
+              </a:xfrm>
+              <a:prstGeom prst="rect">
+                <a:avLst/>
+              </a:prstGeom>
+              <a:noFill/>
+            </p:spPr>
+            <p:txBody>
+              <a:bodyPr wrap="none">
+                <a:spAutoFit/>
+              </a:bodyPr>
+              <a:lstStyle/>
+              <a:p>
+                <a:pPr algn="ctr"/>
+                <a:r>
+                  <a:rPr lang="en-US" altLang="zh-TW" dirty="0"/>
+                  <a:t>Python</a:t>
+                </a:r>
+                <a:endParaRPr lang="zh-TW" altLang="en-US" dirty="0"/>
+              </a:p>
+            </p:txBody>
+          </p:sp>
+          <p:pic>
+            <p:nvPicPr>
+              <p:cNvPr id="1098" name="Picture 2">
+                <a:extLst>
+                  <a:ext uri="{FF2B5EF4-FFF2-40B4-BE49-F238E27FC236}">
+                    <a16:creationId xmlns:a16="http://schemas.microsoft.com/office/drawing/2014/main" id="{84609661-CF3F-448A-A7CF-6310AB0441D1}"/>
+                  </a:ext>
+                </a:extLst>
+              </p:cNvPr>
+              <p:cNvPicPr>
+                <a:picLocks noChangeAspect="1" noChangeArrowheads="1"/>
+              </p:cNvPicPr>
+              <p:nvPr/>
+            </p:nvPicPr>
+            <p:blipFill>
+              <a:blip r:embed="rId12">
+                <a:extLst>
+                  <a:ext uri="{28A0092B-C50C-407E-A947-70E740481C1C}">
+                    <a14:useLocalDpi xmlns:a14="http://schemas.microsoft.com/office/drawing/2010/main" val="0"/>
+                  </a:ext>
+                </a:extLst>
+              </a:blip>
+              <a:srcRect/>
+              <a:stretch/>
+            </p:blipFill>
+            <p:spPr bwMode="auto">
+              <a:xfrm>
+                <a:off x="1018260" y="3673672"/>
+                <a:ext cx="657346" cy="720000"/>
+              </a:xfrm>
+              <a:prstGeom prst="rect">
+                <a:avLst/>
+              </a:prstGeom>
+              <a:noFill/>
+              <a:extLst>
+                <a:ext uri="{909E8E84-426E-40DD-AFC4-6F175D3DCCD1}">
+                  <a14:hiddenFill xmlns:a14="http://schemas.microsoft.com/office/drawing/2010/main">
+                    <a:solidFill>
+                      <a:srgbClr val="FFFFFF"/>
+                    </a:solidFill>
+                  </a14:hiddenFill>
+                </a:ext>
+              </a:extLst>
+            </p:spPr>
+          </p:pic>
+        </p:grpSp>
+        <p:sp>
+          <p:nvSpPr>
+            <p:cNvPr id="12" name="矩形: 圓角 11">
+              <a:extLst>
+                <a:ext uri="{FF2B5EF4-FFF2-40B4-BE49-F238E27FC236}">
+                  <a16:creationId xmlns:a16="http://schemas.microsoft.com/office/drawing/2014/main" id="{0117C4CF-939A-05DE-B2CC-AAD78033A7AC}"/>
+                </a:ext>
+              </a:extLst>
+            </p:cNvPr>
+            <p:cNvSpPr/>
+            <p:nvPr/>
+          </p:nvSpPr>
+          <p:spPr>
+            <a:xfrm rot="10800000">
+              <a:off x="8465088" y="4085194"/>
+              <a:ext cx="2665992" cy="1085238"/>
+            </a:xfrm>
+            <a:prstGeom prst="roundRect">
+              <a:avLst>
+                <a:gd name="adj" fmla="val 0"/>
+              </a:avLst>
+            </a:prstGeom>
+            <a:solidFill>
+              <a:schemeClr val="accent1">
+                <a:alpha val="20000"/>
+              </a:schemeClr>
+            </a:solidFill>
+            <a:ln>
+              <a:solidFill>
+                <a:schemeClr val="bg1">
+                  <a:lumMod val="65000"/>
+                </a:schemeClr>
+              </a:solidFill>
+            </a:ln>
+          </p:spPr>
+          <p:style>
+            <a:lnRef idx="2">
+              <a:schemeClr val="accent1">
+                <a:shade val="15000"/>
+              </a:schemeClr>
+            </a:lnRef>
+            <a:fillRef idx="1">
+              <a:schemeClr val="accent1"/>
+            </a:fillRef>
+            <a:effectRef idx="0">
+              <a:schemeClr val="accent1"/>
+            </a:effectRef>
+            <a:fontRef idx="minor">
+              <a:schemeClr val="lt1"/>
+            </a:fontRef>
+          </p:style>
+          <p:txBody>
+            <a:bodyPr rtlCol="0" anchor="ctr"/>
+            <a:lstStyle/>
+            <a:p>
+              <a:pPr algn="ctr"/>
               <a:endParaRPr lang="zh-TW" altLang="en-US" dirty="0"/>
             </a:p>
           </p:txBody>
         </p:sp>
-        <p:pic>
-          <p:nvPicPr>
-            <p:cNvPr id="1098" name="Picture 2">
+        <p:sp>
+          <p:nvSpPr>
+            <p:cNvPr id="14" name="等腰三角形 13">
               <a:extLst>
                 <a:ext uri="{FF2B5EF4-FFF2-40B4-BE49-F238E27FC236}">
-                  <a16:creationId xmlns:a16="http://schemas.microsoft.com/office/drawing/2014/main" id="{84609661-CF3F-448A-A7CF-6310AB0441D1}"/>
+                  <a16:creationId xmlns:a16="http://schemas.microsoft.com/office/drawing/2014/main" id="{1E47D6BC-9368-2812-E707-54A73F7531EB}"/>
                 </a:ext>
               </a:extLst>
             </p:cNvPr>
-            <p:cNvPicPr>
-              <a:picLocks noChangeAspect="1" noChangeArrowheads="1"/>
-            </p:cNvPicPr>
+            <p:cNvSpPr/>
             <p:nvPr/>
-          </p:nvPicPr>
-          <p:blipFill>
-            <a:blip r:embed="rId12">
-              <a:extLst>
-                <a:ext uri="{28A0092B-C50C-407E-A947-70E740481C1C}">
-                  <a14:useLocalDpi xmlns:a14="http://schemas.microsoft.com/office/drawing/2010/main" val="0"/>
-                </a:ext>
-              </a:extLst>
-            </a:blip>
-            <a:srcRect/>
-            <a:stretch/>
-          </p:blipFill>
-          <p:spPr bwMode="auto">
-            <a:xfrm>
-              <a:off x="1018260" y="3673672"/>
-              <a:ext cx="657346" cy="720000"/>
+          </p:nvSpPr>
+          <p:spPr>
+            <a:xfrm rot="16200000">
+              <a:off x="7822870" y="4440357"/>
+              <a:ext cx="911760" cy="369332"/>
             </a:xfrm>
-            <a:prstGeom prst="rect">
+            <a:prstGeom prst="triangle">
               <a:avLst/>
             </a:prstGeom>
-            <a:noFill/>
-            <a:extLst>
-              <a:ext uri="{909E8E84-426E-40DD-AFC4-6F175D3DCCD1}">
-                <a14:hiddenFill xmlns:a14="http://schemas.microsoft.com/office/drawing/2010/main">
-                  <a:solidFill>
-                    <a:srgbClr val="FFFFFF"/>
-                  </a:solidFill>
-                </a14:hiddenFill>
-              </a:ext>
-            </a:extLst>
-          </p:spPr>
-        </p:pic>
-      </p:grpSp>
-      <p:sp>
-        <p:nvSpPr>
-          <p:cNvPr id="12" name="矩形: 圓角 11">
-            <a:extLst>
-              <a:ext uri="{FF2B5EF4-FFF2-40B4-BE49-F238E27FC236}">
-                <a16:creationId xmlns:a16="http://schemas.microsoft.com/office/drawing/2014/main" id="{0117C4CF-939A-05DE-B2CC-AAD78033A7AC}"/>
-              </a:ext>
-            </a:extLst>
-          </p:cNvPr>
-          <p:cNvSpPr/>
-          <p:nvPr/>
-        </p:nvSpPr>
-        <p:spPr>
-          <a:xfrm rot="10800000">
-            <a:off x="8465088" y="4085194"/>
-            <a:ext cx="2665992" cy="1085238"/>
-          </a:xfrm>
-          <a:prstGeom prst="roundRect">
-            <a:avLst>
-              <a:gd name="adj" fmla="val 0"/>
-            </a:avLst>
-          </a:prstGeom>
-          <a:solidFill>
-            <a:schemeClr val="accent1">
-              <a:alpha val="20000"/>
-            </a:schemeClr>
-          </a:solidFill>
-          <a:ln>
             <a:solidFill>
               <a:schemeClr val="bg1">
-                <a:lumMod val="65000"/>
+                <a:lumMod val="75000"/>
+                <a:alpha val="20000"/>
               </a:schemeClr>
             </a:solidFill>
-          </a:ln>
-        </p:spPr>
-        <p:style>
-          <a:lnRef idx="2">
-            <a:schemeClr val="accent1">
-              <a:shade val="15000"/>
-            </a:schemeClr>
-          </a:lnRef>
-          <a:fillRef idx="1">
-            <a:schemeClr val="accent1"/>
-          </a:fillRef>
-          <a:effectRef idx="0">
-            <a:schemeClr val="accent1"/>
-          </a:effectRef>
-          <a:fontRef idx="minor">
-            <a:schemeClr val="lt1"/>
-          </a:fontRef>
-        </p:style>
-        <p:txBody>
-          <a:bodyPr rtlCol="0" anchor="ctr"/>
-          <a:lstStyle/>
-          <a:p>
-            <a:pPr algn="ctr"/>
-            <a:endParaRPr lang="zh-TW" altLang="en-US" dirty="0"/>
-          </a:p>
-        </p:txBody>
-      </p:sp>
-      <p:sp>
-        <p:nvSpPr>
-          <p:cNvPr id="14" name="等腰三角形 13">
-            <a:extLst>
-              <a:ext uri="{FF2B5EF4-FFF2-40B4-BE49-F238E27FC236}">
-                <a16:creationId xmlns:a16="http://schemas.microsoft.com/office/drawing/2014/main" id="{1E47D6BC-9368-2812-E707-54A73F7531EB}"/>
-              </a:ext>
-            </a:extLst>
-          </p:cNvPr>
-          <p:cNvSpPr/>
-          <p:nvPr/>
-        </p:nvSpPr>
-        <p:spPr>
-          <a:xfrm rot="16200000">
-            <a:off x="7822870" y="4440357"/>
-            <a:ext cx="911760" cy="369332"/>
-          </a:xfrm>
-          <a:prstGeom prst="triangle">
-            <a:avLst/>
-          </a:prstGeom>
-          <a:solidFill>
-            <a:schemeClr val="bg1">
-              <a:lumMod val="75000"/>
-              <a:alpha val="20000"/>
-            </a:schemeClr>
-          </a:solidFill>
-          <a:ln>
-            <a:solidFill>
-              <a:schemeClr val="bg1">
-                <a:lumMod val="65000"/>
+            <a:ln>
+              <a:solidFill>
+                <a:schemeClr val="bg1">
+                  <a:lumMod val="65000"/>
+                </a:schemeClr>
+              </a:solidFill>
+            </a:ln>
+          </p:spPr>
+          <p:style>
+            <a:lnRef idx="2">
+              <a:schemeClr val="accent1">
+                <a:shade val="15000"/>
               </a:schemeClr>
-            </a:solidFill>
-          </a:ln>
-        </p:spPr>
-        <p:style>
-          <a:lnRef idx="2">
-            <a:schemeClr val="accent1">
-              <a:shade val="15000"/>
-            </a:schemeClr>
-          </a:lnRef>
-          <a:fillRef idx="1">
-            <a:schemeClr val="accent1"/>
-          </a:fillRef>
-          <a:effectRef idx="0">
-            <a:schemeClr val="accent1"/>
-          </a:effectRef>
-          <a:fontRef idx="minor">
-            <a:schemeClr val="lt1"/>
-          </a:fontRef>
-        </p:style>
-        <p:txBody>
-          <a:bodyPr rtlCol="0" anchor="ctr"/>
-          <a:lstStyle/>
-          <a:p>
-            <a:pPr algn="ctr"/>
-            <a:endParaRPr lang="zh-TW" altLang="en-US"/>
-          </a:p>
-        </p:txBody>
-      </p:sp>
-      <p:grpSp>
-        <p:nvGrpSpPr>
-          <p:cNvPr id="15" name="群組 14">
-            <a:extLst>
-              <a:ext uri="{FF2B5EF4-FFF2-40B4-BE49-F238E27FC236}">
-                <a16:creationId xmlns:a16="http://schemas.microsoft.com/office/drawing/2014/main" id="{C14121D0-048D-9206-FDE8-E74D1EC38173}"/>
-              </a:ext>
-            </a:extLst>
-          </p:cNvPr>
-          <p:cNvGrpSpPr/>
-          <p:nvPr/>
-        </p:nvGrpSpPr>
-        <p:grpSpPr>
-          <a:xfrm>
-            <a:off x="8715731" y="4207253"/>
-            <a:ext cx="1124026" cy="945044"/>
-            <a:chOff x="784922" y="3795731"/>
-            <a:chExt cx="1124026" cy="945044"/>
-          </a:xfrm>
-        </p:grpSpPr>
-        <p:sp>
-          <p:nvSpPr>
-            <p:cNvPr id="16" name="文字方塊 15">
+            </a:lnRef>
+            <a:fillRef idx="1">
+              <a:schemeClr val="accent1"/>
+            </a:fillRef>
+            <a:effectRef idx="0">
+              <a:schemeClr val="accent1"/>
+            </a:effectRef>
+            <a:fontRef idx="minor">
+              <a:schemeClr val="lt1"/>
+            </a:fontRef>
+          </p:style>
+          <p:txBody>
+            <a:bodyPr rtlCol="0" anchor="ctr"/>
+            <a:lstStyle/>
+            <a:p>
+              <a:pPr algn="ctr"/>
+              <a:endParaRPr lang="zh-TW" altLang="en-US"/>
+            </a:p>
+          </p:txBody>
+        </p:sp>
+        <p:grpSp>
+          <p:nvGrpSpPr>
+            <p:cNvPr id="15" name="群組 14">
               <a:extLst>
                 <a:ext uri="{FF2B5EF4-FFF2-40B4-BE49-F238E27FC236}">
-                  <a16:creationId xmlns:a16="http://schemas.microsoft.com/office/drawing/2014/main" id="{10CAB6DF-0E26-AF9C-3BBA-27BB9DDF0DC0}"/>
+                  <a16:creationId xmlns:a16="http://schemas.microsoft.com/office/drawing/2014/main" id="{C14121D0-048D-9206-FDE8-E74D1EC38173}"/>
                 </a:ext>
               </a:extLst>
             </p:cNvPr>
-            <p:cNvSpPr txBox="1"/>
+            <p:cNvGrpSpPr/>
             <p:nvPr/>
-          </p:nvSpPr>
-          <p:spPr>
+          </p:nvGrpSpPr>
+          <p:grpSpPr>
             <a:xfrm>
-              <a:off x="784922" y="4371443"/>
-              <a:ext cx="1124026" cy="369332"/>
+              <a:off x="8715731" y="4207253"/>
+              <a:ext cx="1124026" cy="945044"/>
+              <a:chOff x="784922" y="3795731"/>
+              <a:chExt cx="1124026" cy="945044"/>
             </a:xfrm>
-            <a:prstGeom prst="rect">
-              <a:avLst/>
-            </a:prstGeom>
-            <a:noFill/>
-          </p:spPr>
-          <p:txBody>
-            <a:bodyPr wrap="none">
-              <a:spAutoFit/>
-            </a:bodyPr>
-            <a:lstStyle/>
-            <a:p>
-              <a:pPr algn="ctr"/>
-              <a:r>
-                <a:rPr lang="en-US" altLang="zh-TW" dirty="0"/>
-                <a:t>Selenium</a:t>
-              </a:r>
-            </a:p>
-          </p:txBody>
-        </p:sp>
-        <p:pic>
-          <p:nvPicPr>
-            <p:cNvPr id="18" name="Picture 2">
+          </p:grpSpPr>
+          <p:sp>
+            <p:nvSpPr>
+              <p:cNvPr id="16" name="文字方塊 15">
+                <a:extLst>
+                  <a:ext uri="{FF2B5EF4-FFF2-40B4-BE49-F238E27FC236}">
+                    <a16:creationId xmlns:a16="http://schemas.microsoft.com/office/drawing/2014/main" id="{10CAB6DF-0E26-AF9C-3BBA-27BB9DDF0DC0}"/>
+                  </a:ext>
+                </a:extLst>
+              </p:cNvPr>
+              <p:cNvSpPr txBox="1"/>
+              <p:nvPr/>
+            </p:nvSpPr>
+            <p:spPr>
+              <a:xfrm>
+                <a:off x="784922" y="4371443"/>
+                <a:ext cx="1124026" cy="369332"/>
+              </a:xfrm>
+              <a:prstGeom prst="rect">
+                <a:avLst/>
+              </a:prstGeom>
+              <a:noFill/>
+            </p:spPr>
+            <p:txBody>
+              <a:bodyPr wrap="none">
+                <a:spAutoFit/>
+              </a:bodyPr>
+              <a:lstStyle/>
+              <a:p>
+                <a:pPr algn="ctr"/>
+                <a:r>
+                  <a:rPr lang="en-US" altLang="zh-TW" dirty="0"/>
+                  <a:t>Selenium</a:t>
+                </a:r>
+              </a:p>
+            </p:txBody>
+          </p:sp>
+          <p:pic>
+            <p:nvPicPr>
+              <p:cNvPr id="18" name="Picture 2">
+                <a:extLst>
+                  <a:ext uri="{FF2B5EF4-FFF2-40B4-BE49-F238E27FC236}">
+                    <a16:creationId xmlns:a16="http://schemas.microsoft.com/office/drawing/2014/main" id="{413187F1-DB6C-69D3-11A9-36DA69FF4B79}"/>
+                  </a:ext>
+                </a:extLst>
+              </p:cNvPr>
+              <p:cNvPicPr>
+                <a:picLocks noChangeAspect="1" noChangeArrowheads="1"/>
+              </p:cNvPicPr>
+              <p:nvPr/>
+            </p:nvPicPr>
+            <p:blipFill>
+              <a:blip r:embed="rId13">
+                <a:extLst>
+                  <a:ext uri="{28A0092B-C50C-407E-A947-70E740481C1C}">
+                    <a14:useLocalDpi xmlns:a14="http://schemas.microsoft.com/office/drawing/2010/main" val="0"/>
+                  </a:ext>
+                </a:extLst>
+              </a:blip>
+              <a:srcRect/>
+              <a:stretch/>
+            </p:blipFill>
+            <p:spPr bwMode="auto">
+              <a:xfrm>
+                <a:off x="1119218" y="3795731"/>
+                <a:ext cx="455430" cy="475882"/>
+              </a:xfrm>
+              <a:prstGeom prst="rect">
+                <a:avLst/>
+              </a:prstGeom>
+              <a:noFill/>
+              <a:extLst>
+                <a:ext uri="{909E8E84-426E-40DD-AFC4-6F175D3DCCD1}">
+                  <a14:hiddenFill xmlns:a14="http://schemas.microsoft.com/office/drawing/2010/main">
+                    <a:solidFill>
+                      <a:srgbClr val="FFFFFF"/>
+                    </a:solidFill>
+                  </a14:hiddenFill>
+                </a:ext>
+              </a:extLst>
+            </p:spPr>
+          </p:pic>
+        </p:grpSp>
+        <p:grpSp>
+          <p:nvGrpSpPr>
+            <p:cNvPr id="19" name="群組 18">
               <a:extLst>
                 <a:ext uri="{FF2B5EF4-FFF2-40B4-BE49-F238E27FC236}">
-                  <a16:creationId xmlns:a16="http://schemas.microsoft.com/office/drawing/2014/main" id="{413187F1-DB6C-69D3-11A9-36DA69FF4B79}"/>
+                  <a16:creationId xmlns:a16="http://schemas.microsoft.com/office/drawing/2014/main" id="{5C15A47D-F90F-3910-16E5-3F8CA7027880}"/>
                 </a:ext>
               </a:extLst>
             </p:cNvPr>
-            <p:cNvPicPr>
-              <a:picLocks noChangeAspect="1" noChangeArrowheads="1"/>
-            </p:cNvPicPr>
+            <p:cNvGrpSpPr/>
             <p:nvPr/>
-          </p:nvPicPr>
-          <p:blipFill>
-            <a:blip r:embed="rId13">
-              <a:extLst>
-                <a:ext uri="{28A0092B-C50C-407E-A947-70E740481C1C}">
-                  <a14:useLocalDpi xmlns:a14="http://schemas.microsoft.com/office/drawing/2010/main" val="0"/>
-                </a:ext>
-              </a:extLst>
-            </a:blip>
-            <a:srcRect/>
-            <a:stretch/>
-          </p:blipFill>
-          <p:spPr bwMode="auto">
+          </p:nvGrpSpPr>
+          <p:grpSpPr>
             <a:xfrm>
-              <a:off x="1119218" y="3795731"/>
-              <a:ext cx="455430" cy="475882"/>
+              <a:off x="9956901" y="4085194"/>
+              <a:ext cx="720000" cy="1067103"/>
+              <a:chOff x="986933" y="3673672"/>
+              <a:chExt cx="720000" cy="1067103"/>
             </a:xfrm>
-            <a:prstGeom prst="rect">
-              <a:avLst/>
-            </a:prstGeom>
-            <a:noFill/>
-            <a:extLst>
-              <a:ext uri="{909E8E84-426E-40DD-AFC4-6F175D3DCCD1}">
-                <a14:hiddenFill xmlns:a14="http://schemas.microsoft.com/office/drawing/2010/main">
-                  <a:solidFill>
-                    <a:srgbClr val="FFFFFF"/>
-                  </a:solidFill>
-                </a14:hiddenFill>
-              </a:ext>
-            </a:extLst>
-          </p:spPr>
-        </p:pic>
-      </p:grpSp>
-      <p:grpSp>
-        <p:nvGrpSpPr>
-          <p:cNvPr id="19" name="群組 18">
-            <a:extLst>
-              <a:ext uri="{FF2B5EF4-FFF2-40B4-BE49-F238E27FC236}">
-                <a16:creationId xmlns:a16="http://schemas.microsoft.com/office/drawing/2014/main" id="{5C15A47D-F90F-3910-16E5-3F8CA7027880}"/>
-              </a:ext>
-            </a:extLst>
-          </p:cNvPr>
-          <p:cNvGrpSpPr/>
-          <p:nvPr/>
-        </p:nvGrpSpPr>
-        <p:grpSpPr>
-          <a:xfrm>
-            <a:off x="9956901" y="4085194"/>
-            <a:ext cx="720000" cy="1067103"/>
-            <a:chOff x="986933" y="3673672"/>
-            <a:chExt cx="720000" cy="1067103"/>
-          </a:xfrm>
-        </p:grpSpPr>
-        <p:sp>
-          <p:nvSpPr>
-            <p:cNvPr id="20" name="文字方塊 19">
-              <a:extLst>
-                <a:ext uri="{FF2B5EF4-FFF2-40B4-BE49-F238E27FC236}">
-                  <a16:creationId xmlns:a16="http://schemas.microsoft.com/office/drawing/2014/main" id="{D8B65A1F-6F77-2179-40B0-0484909FA0AF}"/>
-                </a:ext>
-              </a:extLst>
-            </p:cNvPr>
-            <p:cNvSpPr txBox="1"/>
-            <p:nvPr/>
-          </p:nvSpPr>
-          <p:spPr>
-            <a:xfrm>
-              <a:off x="1001326" y="4371443"/>
-              <a:ext cx="691216" cy="369332"/>
-            </a:xfrm>
-            <a:prstGeom prst="rect">
-              <a:avLst/>
-            </a:prstGeom>
-            <a:noFill/>
-          </p:spPr>
-          <p:txBody>
-            <a:bodyPr wrap="none">
-              <a:spAutoFit/>
-            </a:bodyPr>
-            <a:lstStyle/>
-            <a:p>
-              <a:pPr algn="ctr"/>
-              <a:r>
-                <a:rPr lang="en-US" altLang="zh-TW" dirty="0"/>
-                <a:t>Jieba</a:t>
-              </a:r>
-              <a:endParaRPr lang="zh-TW" altLang="en-US" dirty="0"/>
-            </a:p>
-          </p:txBody>
-        </p:sp>
-        <p:pic>
-          <p:nvPicPr>
-            <p:cNvPr id="26" name="Picture 2">
-              <a:extLst>
-                <a:ext uri="{FF2B5EF4-FFF2-40B4-BE49-F238E27FC236}">
-                  <a16:creationId xmlns:a16="http://schemas.microsoft.com/office/drawing/2014/main" id="{A905D28F-92E3-5394-F88B-0567E6BBB520}"/>
-                </a:ext>
-              </a:extLst>
-            </p:cNvPr>
-            <p:cNvPicPr>
-              <a:picLocks noChangeAspect="1" noChangeArrowheads="1"/>
-            </p:cNvPicPr>
-            <p:nvPr/>
-          </p:nvPicPr>
-          <p:blipFill>
-            <a:blip r:embed="rId14">
-              <a:extLst>
-                <a:ext uri="{28A0092B-C50C-407E-A947-70E740481C1C}">
-                  <a14:useLocalDpi xmlns:a14="http://schemas.microsoft.com/office/drawing/2010/main" val="0"/>
-                </a:ext>
-                <a:ext uri="{96DAC541-7B7A-43D3-8B79-37D633B846F1}">
-                  <asvg:svgBlip xmlns:asvg="http://schemas.microsoft.com/office/drawing/2016/SVG/main" r:embed="rId15"/>
-                </a:ext>
-              </a:extLst>
-            </a:blip>
-            <a:srcRect/>
-            <a:stretch/>
-          </p:blipFill>
-          <p:spPr bwMode="auto">
-            <a:xfrm>
-              <a:off x="986933" y="3673672"/>
-              <a:ext cx="720000" cy="720000"/>
-            </a:xfrm>
-            <a:prstGeom prst="rect">
-              <a:avLst/>
-            </a:prstGeom>
-            <a:noFill/>
-          </p:spPr>
-        </p:pic>
+          </p:grpSpPr>
+          <p:sp>
+            <p:nvSpPr>
+              <p:cNvPr id="20" name="文字方塊 19">
+                <a:extLst>
+                  <a:ext uri="{FF2B5EF4-FFF2-40B4-BE49-F238E27FC236}">
+                    <a16:creationId xmlns:a16="http://schemas.microsoft.com/office/drawing/2014/main" id="{D8B65A1F-6F77-2179-40B0-0484909FA0AF}"/>
+                  </a:ext>
+                </a:extLst>
+              </p:cNvPr>
+              <p:cNvSpPr txBox="1"/>
+              <p:nvPr/>
+            </p:nvSpPr>
+            <p:spPr>
+              <a:xfrm>
+                <a:off x="1001326" y="4371443"/>
+                <a:ext cx="691216" cy="369332"/>
+              </a:xfrm>
+              <a:prstGeom prst="rect">
+                <a:avLst/>
+              </a:prstGeom>
+              <a:noFill/>
+            </p:spPr>
+            <p:txBody>
+              <a:bodyPr wrap="none">
+                <a:spAutoFit/>
+              </a:bodyPr>
+              <a:lstStyle/>
+              <a:p>
+                <a:pPr algn="ctr"/>
+                <a:r>
+                  <a:rPr lang="en-US" altLang="zh-TW" dirty="0"/>
+                  <a:t>Jieba</a:t>
+                </a:r>
+                <a:endParaRPr lang="zh-TW" altLang="en-US" dirty="0"/>
+              </a:p>
+            </p:txBody>
+          </p:sp>
+          <p:pic>
+            <p:nvPicPr>
+              <p:cNvPr id="26" name="Picture 2">
+                <a:extLst>
+                  <a:ext uri="{FF2B5EF4-FFF2-40B4-BE49-F238E27FC236}">
+                    <a16:creationId xmlns:a16="http://schemas.microsoft.com/office/drawing/2014/main" id="{A905D28F-92E3-5394-F88B-0567E6BBB520}"/>
+                  </a:ext>
+                </a:extLst>
+              </p:cNvPr>
+              <p:cNvPicPr>
+                <a:picLocks noChangeAspect="1" noChangeArrowheads="1"/>
+              </p:cNvPicPr>
+              <p:nvPr/>
+            </p:nvPicPr>
+            <p:blipFill>
+              <a:blip r:embed="rId14">
+                <a:extLst>
+                  <a:ext uri="{28A0092B-C50C-407E-A947-70E740481C1C}">
+                    <a14:useLocalDpi xmlns:a14="http://schemas.microsoft.com/office/drawing/2010/main" val="0"/>
+                  </a:ext>
+                  <a:ext uri="{96DAC541-7B7A-43D3-8B79-37D633B846F1}">
+                    <asvg:svgBlip xmlns:asvg="http://schemas.microsoft.com/office/drawing/2016/SVG/main" r:embed="rId15"/>
+                  </a:ext>
+                </a:extLst>
+              </a:blip>
+              <a:srcRect/>
+              <a:stretch/>
+            </p:blipFill>
+            <p:spPr bwMode="auto">
+              <a:xfrm>
+                <a:off x="986933" y="3673672"/>
+                <a:ext cx="720000" cy="720000"/>
+              </a:xfrm>
+              <a:prstGeom prst="rect">
+                <a:avLst/>
+              </a:prstGeom>
+              <a:noFill/>
+            </p:spPr>
+          </p:pic>
+        </p:grpSp>
       </p:grpSp>
       <p:cxnSp>
         <p:nvCxnSpPr>
-          <p:cNvPr id="43" name="直線單箭頭接點 42">
-            <a:extLst>
-              <a:ext uri="{FF2B5EF4-FFF2-40B4-BE49-F238E27FC236}">
-                <a16:creationId xmlns:a16="http://schemas.microsoft.com/office/drawing/2014/main" id="{44E9517C-3468-9758-975E-679612EEDA71}"/>
+          <p:cNvPr id="54" name="直線單箭頭接點 53">
+            <a:extLst>
+              <a:ext uri="{FF2B5EF4-FFF2-40B4-BE49-F238E27FC236}">
+                <a16:creationId xmlns:a16="http://schemas.microsoft.com/office/drawing/2014/main" id="{6F1E4BFB-2EA7-892B-691D-3CAE7492EEB6}"/>
               </a:ext>
             </a:extLst>
           </p:cNvPr>
@@ -5773,16 +5794,16 @@
           <p:nvPr/>
         </p:nvCxnSpPr>
         <p:spPr>
-          <a:xfrm>
-            <a:off x="2460396" y="4635766"/>
-            <a:ext cx="1162072" cy="0"/>
+          <a:xfrm flipV="1">
+            <a:off x="3904669" y="2897295"/>
+            <a:ext cx="0" cy="1229943"/>
           </a:xfrm>
           <a:prstGeom prst="straightConnector1">
             <a:avLst/>
           </a:prstGeom>
           <a:ln w="38100">
             <a:headEnd type="triangle" w="med" len="med"/>
-            <a:tailEnd type="none" w="med" len="med"/>
+            <a:tailEnd type="triangle" w="med" len="med"/>
           </a:ln>
         </p:spPr>
         <p:style>
@@ -5802,10 +5823,10 @@
       </p:cxnSp>
       <p:cxnSp>
         <p:nvCxnSpPr>
-          <p:cNvPr id="50" name="直線單箭頭接點 49">
-            <a:extLst>
-              <a:ext uri="{FF2B5EF4-FFF2-40B4-BE49-F238E27FC236}">
-                <a16:creationId xmlns:a16="http://schemas.microsoft.com/office/drawing/2014/main" id="{6D5B4F7B-7049-BE10-F20C-B09DF8D62517}"/>
+          <p:cNvPr id="55" name="直線單箭頭接點 54">
+            <a:extLst>
+              <a:ext uri="{FF2B5EF4-FFF2-40B4-BE49-F238E27FC236}">
+                <a16:creationId xmlns:a16="http://schemas.microsoft.com/office/drawing/2014/main" id="{5ADC0DE6-A2C5-BF4B-195E-0B9799D30590}"/>
               </a:ext>
             </a:extLst>
           </p:cNvPr>
@@ -5815,14 +5836,15 @@
           <p:nvPr/>
         </p:nvCxnSpPr>
         <p:spPr>
-          <a:xfrm flipH="1" flipV="1">
-            <a:off x="3782659" y="2711316"/>
-            <a:ext cx="165591" cy="1438973"/>
+          <a:xfrm>
+            <a:off x="2488971" y="4511460"/>
+            <a:ext cx="930504" cy="0"/>
           </a:xfrm>
           <a:prstGeom prst="straightConnector1">
             <a:avLst/>
           </a:prstGeom>
           <a:ln w="38100">
+            <a:headEnd type="triangle"/>
             <a:tailEnd type="triangle"/>
           </a:ln>
         </p:spPr>
@@ -5843,10 +5865,10 @@
       </p:cxnSp>
       <p:cxnSp>
         <p:nvCxnSpPr>
-          <p:cNvPr id="54" name="直線單箭頭接點 53">
-            <a:extLst>
-              <a:ext uri="{FF2B5EF4-FFF2-40B4-BE49-F238E27FC236}">
-                <a16:creationId xmlns:a16="http://schemas.microsoft.com/office/drawing/2014/main" id="{6F1E4BFB-2EA7-892B-691D-3CAE7492EEB6}"/>
+          <p:cNvPr id="62" name="直線單箭頭接點 61">
+            <a:extLst>
+              <a:ext uri="{FF2B5EF4-FFF2-40B4-BE49-F238E27FC236}">
+                <a16:creationId xmlns:a16="http://schemas.microsoft.com/office/drawing/2014/main" id="{C1B1E74D-FEC0-FCEB-0AFF-F42C3F906193}"/>
               </a:ext>
             </a:extLst>
           </p:cNvPr>
@@ -5856,140 +5878,15 @@
           <p:nvPr/>
         </p:nvCxnSpPr>
         <p:spPr>
-          <a:xfrm flipH="1" flipV="1">
-            <a:off x="3942769" y="2711316"/>
-            <a:ext cx="165591" cy="1438973"/>
+          <a:xfrm flipH="1">
+            <a:off x="6704615" y="2153711"/>
+            <a:ext cx="1118411" cy="0"/>
           </a:xfrm>
           <a:prstGeom prst="straightConnector1">
             <a:avLst/>
           </a:prstGeom>
           <a:ln w="38100">
             <a:headEnd type="triangle" w="med" len="med"/>
-            <a:tailEnd type="none" w="med" len="med"/>
-          </a:ln>
-        </p:spPr>
-        <p:style>
-          <a:lnRef idx="2">
-            <a:schemeClr val="accent1"/>
-          </a:lnRef>
-          <a:fillRef idx="0">
-            <a:schemeClr val="accent1"/>
-          </a:fillRef>
-          <a:effectRef idx="1">
-            <a:schemeClr val="accent1"/>
-          </a:effectRef>
-          <a:fontRef idx="minor">
-            <a:schemeClr val="tx1"/>
-          </a:fontRef>
-        </p:style>
-      </p:cxnSp>
-      <p:cxnSp>
-        <p:nvCxnSpPr>
-          <p:cNvPr id="55" name="直線單箭頭接點 54">
-            <a:extLst>
-              <a:ext uri="{FF2B5EF4-FFF2-40B4-BE49-F238E27FC236}">
-                <a16:creationId xmlns:a16="http://schemas.microsoft.com/office/drawing/2014/main" id="{5ADC0DE6-A2C5-BF4B-195E-0B9799D30590}"/>
-              </a:ext>
-            </a:extLst>
-          </p:cNvPr>
-          <p:cNvCxnSpPr>
-            <a:cxnSpLocks/>
-          </p:cNvCxnSpPr>
-          <p:nvPr/>
-        </p:nvCxnSpPr>
-        <p:spPr>
-          <a:xfrm>
-            <a:off x="2460396" y="4467010"/>
-            <a:ext cx="1162072" cy="0"/>
-          </a:xfrm>
-          <a:prstGeom prst="straightConnector1">
-            <a:avLst/>
-          </a:prstGeom>
-          <a:ln w="38100">
-            <a:tailEnd type="triangle"/>
-          </a:ln>
-        </p:spPr>
-        <p:style>
-          <a:lnRef idx="2">
-            <a:schemeClr val="accent1"/>
-          </a:lnRef>
-          <a:fillRef idx="0">
-            <a:schemeClr val="accent1"/>
-          </a:fillRef>
-          <a:effectRef idx="1">
-            <a:schemeClr val="accent1"/>
-          </a:effectRef>
-          <a:fontRef idx="minor">
-            <a:schemeClr val="tx1"/>
-          </a:fontRef>
-        </p:style>
-      </p:cxnSp>
-      <p:cxnSp>
-        <p:nvCxnSpPr>
-          <p:cNvPr id="56" name="直線單箭頭接點 55">
-            <a:extLst>
-              <a:ext uri="{FF2B5EF4-FFF2-40B4-BE49-F238E27FC236}">
-                <a16:creationId xmlns:a16="http://schemas.microsoft.com/office/drawing/2014/main" id="{454C19A3-54BE-14B4-C32B-BAB31CE3A5BB}"/>
-              </a:ext>
-            </a:extLst>
-          </p:cNvPr>
-          <p:cNvCxnSpPr>
-            <a:cxnSpLocks/>
-          </p:cNvCxnSpPr>
-          <p:nvPr/>
-        </p:nvCxnSpPr>
-        <p:spPr>
-          <a:xfrm flipH="1" flipV="1">
-            <a:off x="6730178" y="1941258"/>
-            <a:ext cx="1262309" cy="127517"/>
-          </a:xfrm>
-          <a:prstGeom prst="straightConnector1">
-            <a:avLst/>
-          </a:prstGeom>
-          <a:ln w="38100">
-            <a:headEnd type="triangle" w="med" len="med"/>
-            <a:tailEnd type="none" w="med" len="med"/>
-          </a:ln>
-        </p:spPr>
-        <p:style>
-          <a:lnRef idx="2">
-            <a:schemeClr val="accent1"/>
-          </a:lnRef>
-          <a:fillRef idx="0">
-            <a:schemeClr val="accent1"/>
-          </a:fillRef>
-          <a:effectRef idx="1">
-            <a:schemeClr val="accent1"/>
-          </a:effectRef>
-          <a:fontRef idx="minor">
-            <a:schemeClr val="tx1"/>
-          </a:fontRef>
-        </p:style>
-      </p:cxnSp>
-      <p:cxnSp>
-        <p:nvCxnSpPr>
-          <p:cNvPr id="62" name="直線單箭頭接點 61">
-            <a:extLst>
-              <a:ext uri="{FF2B5EF4-FFF2-40B4-BE49-F238E27FC236}">
-                <a16:creationId xmlns:a16="http://schemas.microsoft.com/office/drawing/2014/main" id="{C1B1E74D-FEC0-FCEB-0AFF-F42C3F906193}"/>
-              </a:ext>
-            </a:extLst>
-          </p:cNvPr>
-          <p:cNvCxnSpPr>
-            <a:cxnSpLocks/>
-          </p:cNvCxnSpPr>
-          <p:nvPr/>
-        </p:nvCxnSpPr>
-        <p:spPr>
-          <a:xfrm flipH="1" flipV="1">
-            <a:off x="6730178" y="2103473"/>
-            <a:ext cx="1262309" cy="127517"/>
-          </a:xfrm>
-          <a:prstGeom prst="straightConnector1">
-            <a:avLst/>
-          </a:prstGeom>
-          <a:ln w="38100">
-            <a:headEnd type="none" w="med" len="med"/>
             <a:tailEnd type="triangle" w="med" len="med"/>
           </a:ln>
         </p:spPr>
@@ -6010,29 +5907,30 @@
       </p:cxnSp>
       <p:cxnSp>
         <p:nvCxnSpPr>
-          <p:cNvPr id="63" name="直線單箭頭接點 62">
-            <a:extLst>
-              <a:ext uri="{FF2B5EF4-FFF2-40B4-BE49-F238E27FC236}">
-                <a16:creationId xmlns:a16="http://schemas.microsoft.com/office/drawing/2014/main" id="{73043D38-2707-7B53-FBF2-7239F6EE92F1}"/>
+          <p:cNvPr id="1024" name="直線單箭頭接點 1023">
+            <a:extLst>
+              <a:ext uri="{FF2B5EF4-FFF2-40B4-BE49-F238E27FC236}">
+                <a16:creationId xmlns:a16="http://schemas.microsoft.com/office/drawing/2014/main" id="{EAB8FB8A-1B60-7806-DF52-1CDABBDD7ABE}"/>
               </a:ext>
             </a:extLst>
           </p:cNvPr>
           <p:cNvCxnSpPr>
             <a:cxnSpLocks/>
+            <a:endCxn id="1056" idx="2"/>
           </p:cNvCxnSpPr>
           <p:nvPr/>
         </p:nvCxnSpPr>
         <p:spPr>
           <a:xfrm flipV="1">
-            <a:off x="7731562" y="2653204"/>
-            <a:ext cx="761276" cy="1318607"/>
+            <a:off x="7506750" y="2778421"/>
+            <a:ext cx="802142" cy="1301192"/>
           </a:xfrm>
           <a:prstGeom prst="straightConnector1">
             <a:avLst/>
           </a:prstGeom>
           <a:ln w="38100">
             <a:headEnd type="triangle" w="med" len="med"/>
-            <a:tailEnd type="none" w="med" len="med"/>
+            <a:tailEnd type="triangle" w="med" len="med"/>
           </a:ln>
         </p:spPr>
         <p:style>
@@ -6052,10 +5950,10 @@
       </p:cxnSp>
       <p:cxnSp>
         <p:nvCxnSpPr>
-          <p:cNvPr id="1024" name="直線單箭頭接點 1023">
-            <a:extLst>
-              <a:ext uri="{FF2B5EF4-FFF2-40B4-BE49-F238E27FC236}">
-                <a16:creationId xmlns:a16="http://schemas.microsoft.com/office/drawing/2014/main" id="{EAB8FB8A-1B60-7806-DF52-1CDABBDD7ABE}"/>
+          <p:cNvPr id="2" name="直線單箭頭接點 1">
+            <a:extLst>
+              <a:ext uri="{FF2B5EF4-FFF2-40B4-BE49-F238E27FC236}">
+                <a16:creationId xmlns:a16="http://schemas.microsoft.com/office/drawing/2014/main" id="{A0736C10-404A-9FB4-3E9A-3D5FA23F683D}"/>
               </a:ext>
             </a:extLst>
           </p:cNvPr>
@@ -6065,9 +5963,9 @@
           <p:nvPr/>
         </p:nvCxnSpPr>
         <p:spPr>
-          <a:xfrm flipV="1">
-            <a:off x="7589603" y="2617213"/>
-            <a:ext cx="731920" cy="1313367"/>
+          <a:xfrm flipH="1">
+            <a:off x="4424137" y="4490377"/>
+            <a:ext cx="643163" cy="0"/>
           </a:xfrm>
           <a:prstGeom prst="straightConnector1">
             <a:avLst/>
